--- a/ml-subjects/Unsupervised ML.pptx
+++ b/ml-subjects/Unsupervised ML.pptx
@@ -8,7 +8,7 @@
     <p:notesMasterId r:id="rId9"/>
   </p:notesMasterIdLst>
   <p:sldIdLst>
-    <p:sldId id="256" r:id="rId2"/>
+    <p:sldId id="264" r:id="rId2"/>
     <p:sldId id="257" r:id="rId3"/>
     <p:sldId id="258" r:id="rId4"/>
     <p:sldId id="260" r:id="rId5"/>
@@ -229,7 +229,7 @@
             <a:fld id="{D9C8E9B5-BDE3-4B8B-9CB9-F9711AFA1353}" type="datetimeFigureOut">
               <a:rPr lang="en-US" smtClean="0"/>
               <a:pPr/>
-              <a:t>11/19/2019</a:t>
+              <a:t>11/28/2019</a:t>
             </a:fld>
             <a:endParaRPr lang="en-US"/>
           </a:p>
@@ -694,7 +694,7 @@
             <a:fld id="{1D8BD707-D9CF-40AE-B4C6-C98DA3205C09}" type="datetimeFigureOut">
               <a:rPr lang="en-US" smtClean="0"/>
               <a:pPr/>
-              <a:t>11/19/2019</a:t>
+              <a:t>11/28/2019</a:t>
             </a:fld>
             <a:endParaRPr lang="en-US"/>
           </a:p>
@@ -936,7 +936,7 @@
             <a:fld id="{1D8BD707-D9CF-40AE-B4C6-C98DA3205C09}" type="datetimeFigureOut">
               <a:rPr lang="en-US" smtClean="0"/>
               <a:pPr/>
-              <a:t>11/19/2019</a:t>
+              <a:t>11/28/2019</a:t>
             </a:fld>
             <a:endParaRPr lang="en-US"/>
           </a:p>
@@ -1121,7 +1121,7 @@
             <a:fld id="{1D8BD707-D9CF-40AE-B4C6-C98DA3205C09}" type="datetimeFigureOut">
               <a:rPr lang="en-US" smtClean="0"/>
               <a:pPr/>
-              <a:t>11/19/2019</a:t>
+              <a:t>11/28/2019</a:t>
             </a:fld>
             <a:endParaRPr lang="en-US"/>
           </a:p>
@@ -1343,7 +1343,7 @@
             <a:fld id="{1D8BD707-D9CF-40AE-B4C6-C98DA3205C09}" type="datetimeFigureOut">
               <a:rPr lang="en-US" smtClean="0"/>
               <a:pPr/>
-              <a:t>11/19/2019</a:t>
+              <a:t>11/28/2019</a:t>
             </a:fld>
             <a:endParaRPr lang="en-US"/>
           </a:p>
@@ -1661,7 +1661,7 @@
             <a:fld id="{1D8BD707-D9CF-40AE-B4C6-C98DA3205C09}" type="datetimeFigureOut">
               <a:rPr lang="en-US" smtClean="0"/>
               <a:pPr/>
-              <a:t>11/19/2019</a:t>
+              <a:t>11/28/2019</a:t>
             </a:fld>
             <a:endParaRPr lang="en-US"/>
           </a:p>
@@ -1954,7 +1954,7 @@
             <a:fld id="{1D8BD707-D9CF-40AE-B4C6-C98DA3205C09}" type="datetimeFigureOut">
               <a:rPr lang="en-US" smtClean="0"/>
               <a:pPr/>
-              <a:t>11/19/2019</a:t>
+              <a:t>11/28/2019</a:t>
             </a:fld>
             <a:endParaRPr lang="en-US"/>
           </a:p>
@@ -2381,7 +2381,7 @@
             <a:fld id="{1D8BD707-D9CF-40AE-B4C6-C98DA3205C09}" type="datetimeFigureOut">
               <a:rPr lang="en-US" smtClean="0"/>
               <a:pPr/>
-              <a:t>11/19/2019</a:t>
+              <a:t>11/28/2019</a:t>
             </a:fld>
             <a:endParaRPr lang="en-US"/>
           </a:p>
@@ -2504,7 +2504,7 @@
             <a:fld id="{1D8BD707-D9CF-40AE-B4C6-C98DA3205C09}" type="datetimeFigureOut">
               <a:rPr lang="en-US" smtClean="0"/>
               <a:pPr/>
-              <a:t>11/19/2019</a:t>
+              <a:t>11/28/2019</a:t>
             </a:fld>
             <a:endParaRPr lang="en-US"/>
           </a:p>
@@ -2604,7 +2604,7 @@
             <a:fld id="{1D8BD707-D9CF-40AE-B4C6-C98DA3205C09}" type="datetimeFigureOut">
               <a:rPr lang="en-US" smtClean="0"/>
               <a:pPr/>
-              <a:t>11/19/2019</a:t>
+              <a:t>11/28/2019</a:t>
             </a:fld>
             <a:endParaRPr lang="en-US"/>
           </a:p>
@@ -2886,7 +2886,7 @@
             <a:fld id="{1D8BD707-D9CF-40AE-B4C6-C98DA3205C09}" type="datetimeFigureOut">
               <a:rPr lang="en-US" smtClean="0"/>
               <a:pPr/>
-              <a:t>11/19/2019</a:t>
+              <a:t>11/28/2019</a:t>
             </a:fld>
             <a:endParaRPr lang="en-US"/>
           </a:p>
@@ -3144,7 +3144,7 @@
             <a:fld id="{1D8BD707-D9CF-40AE-B4C6-C98DA3205C09}" type="datetimeFigureOut">
               <a:rPr lang="en-US" smtClean="0"/>
               <a:pPr/>
-              <a:t>11/19/2019</a:t>
+              <a:t>11/28/2019</a:t>
             </a:fld>
             <a:endParaRPr lang="en-US"/>
           </a:p>
@@ -3357,7 +3357,7 @@
             <a:fld id="{1D8BD707-D9CF-40AE-B4C6-C98DA3205C09}" type="datetimeFigureOut">
               <a:rPr lang="en-US" smtClean="0"/>
               <a:pPr/>
-              <a:t>11/19/2019</a:t>
+              <a:t>11/28/2019</a:t>
             </a:fld>
             <a:endParaRPr lang="en-US"/>
           </a:p>
@@ -3757,7 +3757,7 @@
           <a:p>
             <a:r>
               <a:rPr lang="en-US" dirty="0" smtClean="0"/>
-              <a:t>Unsupervised ML</a:t>
+              <a:t>Unsupervised Machine Learning</a:t>
             </a:r>
             <a:endParaRPr lang="en-US" dirty="0"/>
           </a:p>
@@ -3775,7 +3775,7 @@
         </p:nvSpPr>
         <p:spPr>
           <a:xfrm>
-            <a:off x="1371600" y="3429000"/>
+            <a:off x="1371600" y="3886200"/>
             <a:ext cx="6400800" cy="1752600"/>
           </a:xfrm>
         </p:spPr>
@@ -3792,11 +3792,7 @@
             </a:br>
             <a:r>
               <a:rPr lang="en-US" dirty="0" smtClean="0"/>
-              <a:t>INRA</a:t>
-            </a:r>
-            <a:r>
-              <a:rPr lang="en-US" dirty="0"/>
-              <a:t>, </a:t>
+              <a:t>INRA(E), </a:t>
             </a:r>
             <a:r>
               <a:rPr lang="en-US" dirty="0" err="1" smtClean="0"/>
@@ -3804,11 +3800,26 @@
             </a:r>
             <a:r>
               <a:rPr lang="en-US" dirty="0" smtClean="0"/>
-              <a:t> Paris-</a:t>
+              <a:t> </a:t>
+            </a:r>
+            <a:r>
+              <a:rPr lang="en-US" dirty="0" smtClean="0"/>
+              <a:t>Paris-</a:t>
             </a:r>
             <a:r>
               <a:rPr lang="en-US" dirty="0" err="1" smtClean="0"/>
               <a:t>Saclay</a:t>
+            </a:r>
+            <a:r>
+              <a:rPr lang="en-US" dirty="0" smtClean="0"/>
+              <a:t/>
+            </a:r>
+            <a:br>
+              <a:rPr lang="en-US" dirty="0" smtClean="0"/>
+            </a:br>
+            <a:r>
+              <a:rPr lang="en-US" dirty="0" smtClean="0"/>
+              <a:t>France</a:t>
             </a:r>
             <a:endParaRPr lang="en-US" dirty="0"/>
           </a:p>
@@ -3950,7 +3961,7 @@
     </p:spTree>
     <p:extLst>
       <p:ext uri="{BB962C8B-B14F-4D97-AF65-F5344CB8AC3E}">
-        <p14:creationId xmlns:p14="http://schemas.microsoft.com/office/powerpoint/2010/main" val="2386727562"/>
+        <p14:creationId xmlns:p14="http://schemas.microsoft.com/office/powerpoint/2010/main" val="286256738"/>
       </p:ext>
     </p:extLst>
   </p:cSld>

--- a/ml-subjects/Unsupervised ML.pptx
+++ b/ml-subjects/Unsupervised ML.pptx
@@ -5,16 +5,19 @@
     <p:sldMasterId id="2147483648" r:id="rId1"/>
   </p:sldMasterIdLst>
   <p:notesMasterIdLst>
-    <p:notesMasterId r:id="rId9"/>
+    <p:notesMasterId r:id="rId12"/>
   </p:notesMasterIdLst>
   <p:sldIdLst>
     <p:sldId id="264" r:id="rId2"/>
-    <p:sldId id="257" r:id="rId3"/>
-    <p:sldId id="258" r:id="rId4"/>
-    <p:sldId id="260" r:id="rId5"/>
-    <p:sldId id="262" r:id="rId6"/>
-    <p:sldId id="259" r:id="rId7"/>
-    <p:sldId id="263" r:id="rId8"/>
+    <p:sldId id="265" r:id="rId3"/>
+    <p:sldId id="257" r:id="rId4"/>
+    <p:sldId id="258" r:id="rId5"/>
+    <p:sldId id="267" r:id="rId6"/>
+    <p:sldId id="262" r:id="rId7"/>
+    <p:sldId id="259" r:id="rId8"/>
+    <p:sldId id="263" r:id="rId9"/>
+    <p:sldId id="266" r:id="rId10"/>
+    <p:sldId id="268" r:id="rId11"/>
   </p:sldIdLst>
   <p:sldSz cx="9144000" cy="6858000" type="screen4x3"/>
   <p:notesSz cx="6858000" cy="9144000"/>
@@ -496,6 +499,91 @@
     </a:lvl9pPr>
   </p:notesStyle>
 </p:notesMaster>
+</file>
+
+<file path=ppt/notesSlides/notesSlide1.xml><?xml version="1.0" encoding="utf-8"?>
+<p:notes xmlns:a="http://schemas.openxmlformats.org/drawingml/2006/main" xmlns:r="http://schemas.openxmlformats.org/officeDocument/2006/relationships" xmlns:p="http://schemas.openxmlformats.org/presentationml/2006/main">
+  <p:cSld>
+    <p:spTree>
+      <p:nvGrpSpPr>
+        <p:cNvPr id="1" name=""/>
+        <p:cNvGrpSpPr/>
+        <p:nvPr/>
+      </p:nvGrpSpPr>
+      <p:grpSpPr>
+        <a:xfrm>
+          <a:off x="0" y="0"/>
+          <a:ext cx="0" cy="0"/>
+          <a:chOff x="0" y="0"/>
+          <a:chExt cx="0" cy="0"/>
+        </a:xfrm>
+      </p:grpSpPr>
+      <p:sp>
+        <p:nvSpPr>
+          <p:cNvPr id="2" name="Espace réservé de l'image des diapositives 1"/>
+          <p:cNvSpPr>
+            <a:spLocks noGrp="1" noRot="1" noChangeAspect="1"/>
+          </p:cNvSpPr>
+          <p:nvPr>
+            <p:ph type="sldImg"/>
+          </p:nvPr>
+        </p:nvSpPr>
+        <p:spPr/>
+      </p:sp>
+      <p:sp>
+        <p:nvSpPr>
+          <p:cNvPr id="3" name="Espace réservé des commentaires 2"/>
+          <p:cNvSpPr>
+            <a:spLocks noGrp="1"/>
+          </p:cNvSpPr>
+          <p:nvPr>
+            <p:ph type="body" idx="1"/>
+          </p:nvPr>
+        </p:nvSpPr>
+        <p:spPr/>
+        <p:txBody>
+          <a:bodyPr/>
+          <a:lstStyle/>
+          <a:p>
+            <a:endParaRPr lang="fr-FR" dirty="0"/>
+          </a:p>
+        </p:txBody>
+      </p:sp>
+      <p:sp>
+        <p:nvSpPr>
+          <p:cNvPr id="4" name="Espace réservé du numéro de diapositive 3"/>
+          <p:cNvSpPr>
+            <a:spLocks noGrp="1"/>
+          </p:cNvSpPr>
+          <p:nvPr>
+            <p:ph type="sldNum" sz="quarter" idx="10"/>
+          </p:nvPr>
+        </p:nvSpPr>
+        <p:spPr/>
+        <p:txBody>
+          <a:bodyPr/>
+          <a:lstStyle/>
+          <a:p>
+            <a:fld id="{B947098B-F0BC-4751-8103-1AC1EB557E1E}" type="slidenum">
+              <a:rPr lang="en-US" smtClean="0"/>
+              <a:pPr/>
+              <a:t>5</a:t>
+            </a:fld>
+            <a:endParaRPr lang="en-US"/>
+          </a:p>
+        </p:txBody>
+      </p:sp>
+    </p:spTree>
+    <p:extLst>
+      <p:ext uri="{BB962C8B-B14F-4D97-AF65-F5344CB8AC3E}">
+        <p14:creationId xmlns:p14="http://schemas.microsoft.com/office/powerpoint/2010/main" val="1858633618"/>
+      </p:ext>
+    </p:extLst>
+  </p:cSld>
+  <p:clrMapOvr>
+    <a:masterClrMapping/>
+  </p:clrMapOvr>
+</p:notes>
 </file>
 
 <file path=ppt/slideLayouts/slideLayout1.xml><?xml version="1.0" encoding="utf-8"?>
@@ -3800,11 +3888,7 @@
             </a:r>
             <a:r>
               <a:rPr lang="en-US" dirty="0" smtClean="0"/>
-              <a:t> </a:t>
-            </a:r>
-            <a:r>
-              <a:rPr lang="en-US" dirty="0" smtClean="0"/>
-              <a:t>Paris-</a:t>
+              <a:t> Paris-</a:t>
             </a:r>
             <a:r>
               <a:rPr lang="en-US" dirty="0" err="1" smtClean="0"/>
@@ -3978,6 +4062,115 @@
 </p:sld>
 </file>
 
+<file path=ppt/slides/slide10.xml><?xml version="1.0" encoding="utf-8"?>
+<p:sld xmlns:a="http://schemas.openxmlformats.org/drawingml/2006/main" xmlns:r="http://schemas.openxmlformats.org/officeDocument/2006/relationships" xmlns:p="http://schemas.openxmlformats.org/presentationml/2006/main">
+  <p:cSld>
+    <p:spTree>
+      <p:nvGrpSpPr>
+        <p:cNvPr id="1" name=""/>
+        <p:cNvGrpSpPr/>
+        <p:nvPr/>
+      </p:nvGrpSpPr>
+      <p:grpSpPr>
+        <a:xfrm>
+          <a:off x="0" y="0"/>
+          <a:ext cx="0" cy="0"/>
+          <a:chOff x="0" y="0"/>
+          <a:chExt cx="0" cy="0"/>
+        </a:xfrm>
+      </p:grpSpPr>
+      <p:sp>
+        <p:nvSpPr>
+          <p:cNvPr id="2" name="Titre 1"/>
+          <p:cNvSpPr>
+            <a:spLocks noGrp="1"/>
+          </p:cNvSpPr>
+          <p:nvPr>
+            <p:ph type="title"/>
+          </p:nvPr>
+        </p:nvSpPr>
+        <p:spPr/>
+        <p:txBody>
+          <a:bodyPr/>
+          <a:lstStyle/>
+          <a:p>
+            <a:r>
+              <a:rPr lang="it-IT" dirty="0" smtClean="0"/>
+              <a:t>Evolutionary Cluster Description</a:t>
+            </a:r>
+            <a:endParaRPr lang="fr-FR" dirty="0"/>
+          </a:p>
+        </p:txBody>
+      </p:sp>
+      <p:sp>
+        <p:nvSpPr>
+          <p:cNvPr id="3" name="Espace réservé du contenu 2"/>
+          <p:cNvSpPr>
+            <a:spLocks noGrp="1"/>
+          </p:cNvSpPr>
+          <p:nvPr>
+            <p:ph idx="1"/>
+          </p:nvPr>
+        </p:nvSpPr>
+        <p:spPr/>
+        <p:txBody>
+          <a:bodyPr/>
+          <a:lstStyle/>
+          <a:p>
+            <a:r>
+              <a:rPr lang="en-US" dirty="0" smtClean="0"/>
+              <a:t>"</a:t>
+            </a:r>
+            <a:r>
+              <a:rPr lang="en-US" dirty="0"/>
+              <a:t>Countering Android Malware: a Scalable Semi-Supervised Approach for Family-Signature Generation" </a:t>
+            </a:r>
+            <a:r>
+              <a:rPr lang="fr-FR" dirty="0" err="1"/>
+              <a:t>Marcelli</a:t>
+            </a:r>
+            <a:r>
+              <a:rPr lang="fr-FR" dirty="0"/>
+              <a:t> et al., </a:t>
+            </a:r>
+            <a:r>
+              <a:rPr lang="fr-FR" dirty="0" smtClean="0"/>
+              <a:t>2019</a:t>
+            </a:r>
+            <a:endParaRPr lang="fr-FR" dirty="0" smtClean="0">
+              <a:hlinkClick r:id="rId2"/>
+            </a:endParaRPr>
+          </a:p>
+          <a:p>
+            <a:r>
+              <a:rPr lang="fr-FR" dirty="0" smtClean="0">
+                <a:hlinkClick r:id="rId2"/>
+              </a:rPr>
+              <a:t>https</a:t>
+            </a:r>
+            <a:r>
+              <a:rPr lang="fr-FR" dirty="0">
+                <a:hlinkClick r:id="rId2"/>
+              </a:rPr>
+              <a:t>://github.com/jimmy-sonny/YaYaGen</a:t>
+            </a:r>
+            <a:endParaRPr lang="fr-FR" dirty="0"/>
+          </a:p>
+        </p:txBody>
+      </p:sp>
+    </p:spTree>
+    <p:extLst>
+      <p:ext uri="{BB962C8B-B14F-4D97-AF65-F5344CB8AC3E}">
+        <p14:creationId xmlns:p14="http://schemas.microsoft.com/office/powerpoint/2010/main" val="2513545234"/>
+      </p:ext>
+    </p:extLst>
+  </p:cSld>
+  <p:clrMapOvr>
+    <a:masterClrMapping/>
+  </p:clrMapOvr>
+</p:sld>
+</file>
+
 <file path=ppt/slides/slide2.xml><?xml version="1.0" encoding="utf-8"?>
 <p:sld xmlns:a="http://schemas.openxmlformats.org/drawingml/2006/main" xmlns:r="http://schemas.openxmlformats.org/officeDocument/2006/relationships" xmlns:p="http://schemas.openxmlformats.org/presentationml/2006/main">
   <p:cSld>
@@ -4012,7 +4205,7 @@
           <a:p>
             <a:r>
               <a:rPr lang="it-IT" dirty="0" smtClean="0"/>
-              <a:t>Dimensionality Reduction</a:t>
+              <a:t>Unsupervised?</a:t>
             </a:r>
             <a:endParaRPr lang="fr-FR" dirty="0"/>
           </a:p>
@@ -4033,14 +4226,67 @@
           <a:bodyPr/>
           <a:lstStyle/>
           <a:p>
-            <a:endParaRPr lang="fr-FR"/>
+            <a:r>
+              <a:rPr lang="it-IT" dirty="0" smtClean="0"/>
+              <a:t>In supervised ML, training was </a:t>
+            </a:r>
+            <a:r>
+              <a:rPr lang="it-IT" i="1" dirty="0" smtClean="0"/>
+              <a:t>labeled</a:t>
+            </a:r>
+          </a:p>
+          <a:p>
+            <a:pPr lvl="1"/>
+            <a:r>
+              <a:rPr lang="it-IT" dirty="0" smtClean="0"/>
+              <a:t>We know the corresponding class of a sample</a:t>
+            </a:r>
+          </a:p>
+          <a:p>
+            <a:pPr lvl="1"/>
+            <a:r>
+              <a:rPr lang="it-IT" dirty="0" smtClean="0"/>
+              <a:t>We know the value of a sample in regression</a:t>
+            </a:r>
+          </a:p>
+          <a:p>
+            <a:endParaRPr lang="it-IT" dirty="0"/>
+          </a:p>
+          <a:p>
+            <a:r>
+              <a:rPr lang="it-IT" dirty="0" smtClean="0"/>
+              <a:t>Unsupervised ML, there is no «ground truth»</a:t>
+            </a:r>
+          </a:p>
+          <a:p>
+            <a:pPr lvl="1"/>
+            <a:r>
+              <a:rPr lang="it-IT" dirty="0" smtClean="0"/>
+              <a:t>We have data</a:t>
+            </a:r>
+          </a:p>
+          <a:p>
+            <a:pPr lvl="1"/>
+            <a:r>
+              <a:rPr lang="it-IT" dirty="0" smtClean="0"/>
+              <a:t>We </a:t>
+            </a:r>
+            <a:r>
+              <a:rPr lang="it-IT" i="1" dirty="0" smtClean="0"/>
+              <a:t>suspect</a:t>
+            </a:r>
+            <a:r>
+              <a:rPr lang="it-IT" dirty="0" smtClean="0"/>
+              <a:t> there is exploitable regularity in data</a:t>
+            </a:r>
+            <a:endParaRPr lang="fr-FR" dirty="0"/>
           </a:p>
         </p:txBody>
       </p:sp>
     </p:spTree>
     <p:extLst>
       <p:ext uri="{BB962C8B-B14F-4D97-AF65-F5344CB8AC3E}">
-        <p14:creationId xmlns:p14="http://schemas.microsoft.com/office/powerpoint/2010/main" val="2464795205"/>
+        <p14:creationId xmlns:p14="http://schemas.microsoft.com/office/powerpoint/2010/main" val="3129632903"/>
       </p:ext>
     </p:extLst>
   </p:cSld>
@@ -4084,7 +4330,7 @@
           <a:p>
             <a:r>
               <a:rPr lang="it-IT" dirty="0" smtClean="0"/>
-              <a:t>Principal Component Analysis</a:t>
+              <a:t>Dimensionality Reduction</a:t>
             </a:r>
             <a:endParaRPr lang="fr-FR" dirty="0"/>
           </a:p>
@@ -4105,14 +4351,55 @@
           <a:bodyPr/>
           <a:lstStyle/>
           <a:p>
-            <a:endParaRPr lang="fr-FR"/>
+            <a:r>
+              <a:rPr lang="it-IT" dirty="0" smtClean="0"/>
+              <a:t>Very often, datasets have lots of features</a:t>
+            </a:r>
+          </a:p>
+          <a:p>
+            <a:pPr lvl="1"/>
+            <a:r>
+              <a:rPr lang="it-IT" dirty="0" smtClean="0"/>
+              <a:t>If we take feature -&gt; dimension</a:t>
+            </a:r>
+            <a:endParaRPr lang="fr-FR" dirty="0"/>
+          </a:p>
+          <a:p>
+            <a:pPr lvl="1"/>
+            <a:r>
+              <a:rPr lang="it-IT" dirty="0" smtClean="0"/>
+              <a:t>We cannot plot/understand more than 3!</a:t>
+            </a:r>
+          </a:p>
+          <a:p>
+            <a:endParaRPr lang="it-IT" dirty="0"/>
+          </a:p>
+          <a:p>
+            <a:r>
+              <a:rPr lang="it-IT" dirty="0" smtClean="0"/>
+              <a:t>Dimensionality reduction techniques</a:t>
+            </a:r>
+          </a:p>
+          <a:p>
+            <a:pPr lvl="1"/>
+            <a:r>
+              <a:rPr lang="it-IT" dirty="0" smtClean="0"/>
+              <a:t>New features (combinations of existing features)</a:t>
+            </a:r>
+          </a:p>
+          <a:p>
+            <a:pPr lvl="1"/>
+            <a:r>
+              <a:rPr lang="it-IT" dirty="0" smtClean="0"/>
+              <a:t>Make high-dimensional datasets readable</a:t>
+            </a:r>
           </a:p>
         </p:txBody>
       </p:sp>
     </p:spTree>
     <p:extLst>
       <p:ext uri="{BB962C8B-B14F-4D97-AF65-F5344CB8AC3E}">
-        <p14:creationId xmlns:p14="http://schemas.microsoft.com/office/powerpoint/2010/main" val="2620553581"/>
+        <p14:creationId xmlns:p14="http://schemas.microsoft.com/office/powerpoint/2010/main" val="2464795205"/>
       </p:ext>
     </p:extLst>
   </p:cSld>
@@ -4156,7 +4443,7 @@
           <a:p>
             <a:r>
               <a:rPr lang="it-IT" dirty="0" smtClean="0"/>
-              <a:t>T-SNE</a:t>
+              <a:t>Principal Component Analysis</a:t>
             </a:r>
             <a:endParaRPr lang="fr-FR" dirty="0"/>
           </a:p>
@@ -4177,14 +4464,45 @@
           <a:bodyPr/>
           <a:lstStyle/>
           <a:p>
-            <a:endParaRPr lang="fr-FR"/>
+            <a:r>
+              <a:rPr lang="it-IT" dirty="0" smtClean="0"/>
+              <a:t>Classic and widely adopted</a:t>
+            </a:r>
+          </a:p>
+          <a:p>
+            <a:pPr lvl="1"/>
+            <a:r>
+              <a:rPr lang="it-IT" dirty="0" smtClean="0"/>
+              <a:t>New features = linear combinations</a:t>
+            </a:r>
+          </a:p>
+          <a:p>
+            <a:pPr lvl="1"/>
+            <a:r>
+              <a:rPr lang="it-IT" dirty="0" smtClean="0"/>
+              <a:t>Fit linear regression</a:t>
+            </a:r>
+          </a:p>
+          <a:p>
+            <a:pPr lvl="1"/>
+            <a:r>
+              <a:rPr lang="it-IT" dirty="0" smtClean="0"/>
+              <a:t>Obtain hyperplane</a:t>
+            </a:r>
+          </a:p>
+          <a:p>
+            <a:pPr lvl="1"/>
+            <a:r>
+              <a:rPr lang="it-IT" dirty="0" smtClean="0"/>
+              <a:t>Find other perpendicular hyperplanes</a:t>
+            </a:r>
           </a:p>
         </p:txBody>
       </p:sp>
     </p:spTree>
     <p:extLst>
       <p:ext uri="{BB962C8B-B14F-4D97-AF65-F5344CB8AC3E}">
-        <p14:creationId xmlns:p14="http://schemas.microsoft.com/office/powerpoint/2010/main" val="860002551"/>
+        <p14:creationId xmlns:p14="http://schemas.microsoft.com/office/powerpoint/2010/main" val="2620553581"/>
       </p:ext>
     </p:extLst>
   </p:cSld>
@@ -4223,14 +4541,12 @@
         </p:nvSpPr>
         <p:spPr/>
         <p:txBody>
-          <a:bodyPr>
-            <a:normAutofit/>
-          </a:bodyPr>
+          <a:bodyPr/>
           <a:lstStyle/>
           <a:p>
             <a:r>
               <a:rPr lang="it-IT" dirty="0" smtClean="0"/>
-              <a:t>Evolutionary D. Reduction</a:t>
+              <a:t>Example: PCAs</a:t>
             </a:r>
             <a:endParaRPr lang="fr-FR" dirty="0"/>
           </a:p>
@@ -4251,32 +4567,14 @@
           <a:bodyPr/>
           <a:lstStyle/>
           <a:p>
-            <a:r>
-              <a:rPr lang="it-IT" dirty="0" smtClean="0"/>
-              <a:t>EvoGraphDice</a:t>
-            </a:r>
-          </a:p>
-          <a:p>
-            <a:pPr lvl="1"/>
-            <a:r>
-              <a:rPr lang="it-IT" dirty="0" smtClean="0"/>
-              <a:t>Uses Symbolic Regression to create dimensions</a:t>
-            </a:r>
-          </a:p>
-          <a:p>
-            <a:pPr lvl="1"/>
-            <a:r>
-              <a:rPr lang="it-IT" dirty="0" smtClean="0"/>
-              <a:t>Feedback from the user (interactive)</a:t>
-            </a:r>
-            <a:endParaRPr lang="fr-FR" dirty="0"/>
+            <a:endParaRPr lang="fr-FR"/>
           </a:p>
         </p:txBody>
       </p:sp>
     </p:spTree>
     <p:extLst>
       <p:ext uri="{BB962C8B-B14F-4D97-AF65-F5344CB8AC3E}">
-        <p14:creationId xmlns:p14="http://schemas.microsoft.com/office/powerpoint/2010/main" val="1487861707"/>
+        <p14:creationId xmlns:p14="http://schemas.microsoft.com/office/powerpoint/2010/main" val="2838393385"/>
       </p:ext>
     </p:extLst>
   </p:cSld>
@@ -4315,12 +4613,18 @@
         </p:nvSpPr>
         <p:spPr/>
         <p:txBody>
-          <a:bodyPr/>
+          <a:bodyPr>
+            <a:normAutofit fontScale="90000"/>
+          </a:bodyPr>
           <a:lstStyle/>
           <a:p>
             <a:r>
               <a:rPr lang="it-IT" dirty="0" smtClean="0"/>
-              <a:t>Self-Encoder</a:t>
+              <a:t>Interactive Evolutionary Dimensionality </a:t>
+            </a:r>
+            <a:r>
+              <a:rPr lang="it-IT" dirty="0" smtClean="0"/>
+              <a:t>Reduction</a:t>
             </a:r>
             <a:endParaRPr lang="fr-FR" dirty="0"/>
           </a:p>
@@ -4341,14 +4645,102 @@
           <a:bodyPr/>
           <a:lstStyle/>
           <a:p>
-            <a:endParaRPr lang="fr-FR"/>
-          </a:p>
-        </p:txBody>
-      </p:sp>
+            <a:r>
+              <a:rPr lang="it-IT" dirty="0" smtClean="0"/>
+              <a:t>EvoGraphDice</a:t>
+            </a:r>
+          </a:p>
+          <a:p>
+            <a:pPr lvl="1"/>
+            <a:r>
+              <a:rPr lang="it-IT" dirty="0" smtClean="0"/>
+              <a:t>Uses Symbolic Regression to create dimensions</a:t>
+            </a:r>
+          </a:p>
+          <a:p>
+            <a:pPr lvl="1"/>
+            <a:r>
+              <a:rPr lang="it-IT" dirty="0" smtClean="0"/>
+              <a:t>Feedback from the user (interactive</a:t>
+            </a:r>
+            <a:r>
+              <a:rPr lang="it-IT" dirty="0" smtClean="0"/>
+              <a:t>)</a:t>
+            </a:r>
+          </a:p>
+          <a:p>
+            <a:endParaRPr lang="it-IT" dirty="0"/>
+          </a:p>
+          <a:p>
+            <a:r>
+              <a:rPr lang="it-IT" dirty="0" smtClean="0"/>
+              <a:t>Unfortunately, no demo</a:t>
+            </a:r>
+          </a:p>
+          <a:p>
+            <a:pPr lvl="1"/>
+            <a:r>
+              <a:rPr lang="it-IT" dirty="0" smtClean="0"/>
+              <a:t>But there is a video!</a:t>
+            </a:r>
+          </a:p>
+          <a:p>
+            <a:pPr lvl="1"/>
+            <a:r>
+              <a:rPr lang="fr-FR" dirty="0">
+                <a:hlinkClick r:id="rId2"/>
+              </a:rPr>
+              <a:t>https://aviz.fr/EVE</a:t>
+            </a:r>
+            <a:endParaRPr lang="fr-FR" dirty="0"/>
+          </a:p>
+        </p:txBody>
+      </p:sp>
+      <p:pic>
+        <p:nvPicPr>
+          <p:cNvPr id="1026" name="Picture 2" descr="https://aviz.fr/wiki/uploads/Research/evographdice_ui_small.png"/>
+          <p:cNvPicPr>
+            <a:picLocks noChangeAspect="1" noChangeArrowheads="1"/>
+          </p:cNvPicPr>
+          <p:nvPr/>
+        </p:nvPicPr>
+        <p:blipFill>
+          <a:blip r:embed="rId3">
+            <a:extLst>
+              <a:ext uri="{28A0092B-C50C-407E-A947-70E740481C1C}">
+                <a14:useLocalDpi xmlns:a14="http://schemas.microsoft.com/office/drawing/2010/main" val="0"/>
+              </a:ext>
+            </a:extLst>
+          </a:blip>
+          <a:srcRect/>
+          <a:stretch>
+            <a:fillRect/>
+          </a:stretch>
+        </p:blipFill>
+        <p:spPr bwMode="auto">
+          <a:xfrm>
+            <a:off x="5105400" y="3505200"/>
+            <a:ext cx="3908425" cy="2906265"/>
+          </a:xfrm>
+          <a:prstGeom prst="rect">
+            <a:avLst/>
+          </a:prstGeom>
+          <a:noFill/>
+          <a:extLst>
+            <a:ext uri="{909E8E84-426E-40DD-AFC4-6F175D3DCCD1}">
+              <a14:hiddenFill xmlns:a14="http://schemas.microsoft.com/office/drawing/2010/main">
+                <a:solidFill>
+                  <a:srgbClr val="FFFFFF"/>
+                </a:solidFill>
+              </a14:hiddenFill>
+            </a:ext>
+          </a:extLst>
+        </p:spPr>
+      </p:pic>
     </p:spTree>
     <p:extLst>
       <p:ext uri="{BB962C8B-B14F-4D97-AF65-F5344CB8AC3E}">
-        <p14:creationId xmlns:p14="http://schemas.microsoft.com/office/powerpoint/2010/main" val="2771607779"/>
+        <p14:creationId xmlns:p14="http://schemas.microsoft.com/office/powerpoint/2010/main" val="1487861707"/>
       </p:ext>
     </p:extLst>
   </p:cSld>
@@ -4392,6 +4784,78 @@
           <a:p>
             <a:r>
               <a:rPr lang="it-IT" dirty="0" smtClean="0"/>
+              <a:t>Self-Encoder</a:t>
+            </a:r>
+            <a:endParaRPr lang="fr-FR" dirty="0"/>
+          </a:p>
+        </p:txBody>
+      </p:sp>
+      <p:sp>
+        <p:nvSpPr>
+          <p:cNvPr id="3" name="Espace réservé du contenu 2"/>
+          <p:cNvSpPr>
+            <a:spLocks noGrp="1"/>
+          </p:cNvSpPr>
+          <p:nvPr>
+            <p:ph idx="1"/>
+          </p:nvPr>
+        </p:nvSpPr>
+        <p:spPr/>
+        <p:txBody>
+          <a:bodyPr/>
+          <a:lstStyle/>
+          <a:p>
+            <a:endParaRPr lang="fr-FR"/>
+          </a:p>
+        </p:txBody>
+      </p:sp>
+    </p:spTree>
+    <p:extLst>
+      <p:ext uri="{BB962C8B-B14F-4D97-AF65-F5344CB8AC3E}">
+        <p14:creationId xmlns:p14="http://schemas.microsoft.com/office/powerpoint/2010/main" val="2771607779"/>
+      </p:ext>
+    </p:extLst>
+  </p:cSld>
+  <p:clrMapOvr>
+    <a:masterClrMapping/>
+  </p:clrMapOvr>
+</p:sld>
+</file>
+
+<file path=ppt/slides/slide8.xml><?xml version="1.0" encoding="utf-8"?>
+<p:sld xmlns:a="http://schemas.openxmlformats.org/drawingml/2006/main" xmlns:r="http://schemas.openxmlformats.org/officeDocument/2006/relationships" xmlns:p="http://schemas.openxmlformats.org/presentationml/2006/main">
+  <p:cSld>
+    <p:spTree>
+      <p:nvGrpSpPr>
+        <p:cNvPr id="1" name=""/>
+        <p:cNvGrpSpPr/>
+        <p:nvPr/>
+      </p:nvGrpSpPr>
+      <p:grpSpPr>
+        <a:xfrm>
+          <a:off x="0" y="0"/>
+          <a:ext cx="0" cy="0"/>
+          <a:chOff x="0" y="0"/>
+          <a:chExt cx="0" cy="0"/>
+        </a:xfrm>
+      </p:grpSpPr>
+      <p:sp>
+        <p:nvSpPr>
+          <p:cNvPr id="2" name="Titre 1"/>
+          <p:cNvSpPr>
+            <a:spLocks noGrp="1"/>
+          </p:cNvSpPr>
+          <p:nvPr>
+            <p:ph type="title"/>
+          </p:nvPr>
+        </p:nvSpPr>
+        <p:spPr/>
+        <p:txBody>
+          <a:bodyPr/>
+          <a:lstStyle/>
+          <a:p>
+            <a:r>
+              <a:rPr lang="it-IT" dirty="0" smtClean="0"/>
               <a:t>Clustering</a:t>
             </a:r>
             <a:endParaRPr lang="fr-FR" dirty="0"/>
@@ -4421,6 +4885,127 @@
     <p:extLst>
       <p:ext uri="{BB962C8B-B14F-4D97-AF65-F5344CB8AC3E}">
         <p14:creationId xmlns:p14="http://schemas.microsoft.com/office/powerpoint/2010/main" val="2838972834"/>
+      </p:ext>
+    </p:extLst>
+  </p:cSld>
+  <p:clrMapOvr>
+    <a:masterClrMapping/>
+  </p:clrMapOvr>
+</p:sld>
+</file>
+
+<file path=ppt/slides/slide9.xml><?xml version="1.0" encoding="utf-8"?>
+<p:sld xmlns:a="http://schemas.openxmlformats.org/drawingml/2006/main" xmlns:r="http://schemas.openxmlformats.org/officeDocument/2006/relationships" xmlns:p="http://schemas.openxmlformats.org/presentationml/2006/main">
+  <p:cSld>
+    <p:spTree>
+      <p:nvGrpSpPr>
+        <p:cNvPr id="1" name=""/>
+        <p:cNvGrpSpPr/>
+        <p:nvPr/>
+      </p:nvGrpSpPr>
+      <p:grpSpPr>
+        <a:xfrm>
+          <a:off x="0" y="0"/>
+          <a:ext cx="0" cy="0"/>
+          <a:chOff x="0" y="0"/>
+          <a:chExt cx="0" cy="0"/>
+        </a:xfrm>
+      </p:grpSpPr>
+      <p:sp>
+        <p:nvSpPr>
+          <p:cNvPr id="2" name="Titre 1"/>
+          <p:cNvSpPr>
+            <a:spLocks noGrp="1"/>
+          </p:cNvSpPr>
+          <p:nvPr>
+            <p:ph type="title"/>
+          </p:nvPr>
+        </p:nvSpPr>
+        <p:spPr/>
+        <p:txBody>
+          <a:bodyPr/>
+          <a:lstStyle/>
+          <a:p>
+            <a:r>
+              <a:rPr lang="it-IT" dirty="0" smtClean="0"/>
+              <a:t>Evolutionary Cluster Description</a:t>
+            </a:r>
+            <a:endParaRPr lang="fr-FR" dirty="0"/>
+          </a:p>
+        </p:txBody>
+      </p:sp>
+      <p:sp>
+        <p:nvSpPr>
+          <p:cNvPr id="3" name="Espace réservé du contenu 2"/>
+          <p:cNvSpPr>
+            <a:spLocks noGrp="1"/>
+          </p:cNvSpPr>
+          <p:nvPr>
+            <p:ph idx="1"/>
+          </p:nvPr>
+        </p:nvSpPr>
+        <p:spPr/>
+        <p:txBody>
+          <a:bodyPr>
+            <a:normAutofit/>
+          </a:bodyPr>
+          <a:lstStyle/>
+          <a:p>
+            <a:r>
+              <a:rPr lang="it-IT" dirty="0" smtClean="0"/>
+              <a:t>After obtaining clusters, describe them?</a:t>
+            </a:r>
+          </a:p>
+          <a:p>
+            <a:pPr lvl="1"/>
+            <a:r>
+              <a:rPr lang="it-IT" dirty="0" smtClean="0"/>
+              <a:t>Find minimal set of rules that fully define cluster</a:t>
+            </a:r>
+          </a:p>
+          <a:p>
+            <a:pPr lvl="1"/>
+            <a:r>
+              <a:rPr lang="it-IT" dirty="0" smtClean="0"/>
+              <a:t>Example from clustering malware</a:t>
+            </a:r>
+          </a:p>
+          <a:p>
+            <a:pPr marL="457200" lvl="1" indent="0">
+              <a:buNone/>
+            </a:pPr>
+            <a:endParaRPr lang="fr-FR" dirty="0" smtClean="0"/>
+          </a:p>
+          <a:p>
+            <a:r>
+              <a:rPr lang="it-IT" dirty="0" smtClean="0"/>
+              <a:t>Large amounts of malware</a:t>
+            </a:r>
+          </a:p>
+          <a:p>
+            <a:pPr lvl="1"/>
+            <a:r>
+              <a:rPr lang="it-IT" dirty="0" smtClean="0"/>
+              <a:t>Can be clustered together in «families»</a:t>
+            </a:r>
+          </a:p>
+          <a:p>
+            <a:pPr lvl="1"/>
+            <a:r>
+              <a:rPr lang="it-IT" dirty="0" smtClean="0"/>
+              <a:t>Generate rules to identify them that cover most of the malware in the same cluster</a:t>
+            </a:r>
+          </a:p>
+          <a:p>
+            <a:pPr lvl="1"/>
+            <a:endParaRPr lang="it-IT" dirty="0"/>
+          </a:p>
+        </p:txBody>
+      </p:sp>
+    </p:spTree>
+    <p:extLst>
+      <p:ext uri="{BB962C8B-B14F-4D97-AF65-F5344CB8AC3E}">
+        <p14:creationId xmlns:p14="http://schemas.microsoft.com/office/powerpoint/2010/main" val="2862765722"/>
       </p:ext>
     </p:extLst>
   </p:cSld>

--- a/ml-subjects/Unsupervised ML.pptx
+++ b/ml-subjects/Unsupervised ML.pptx
@@ -5,7 +5,7 @@
     <p:sldMasterId id="2147483648" r:id="rId1"/>
   </p:sldMasterIdLst>
   <p:notesMasterIdLst>
-    <p:notesMasterId r:id="rId12"/>
+    <p:notesMasterId r:id="rId13"/>
   </p:notesMasterIdLst>
   <p:sldIdLst>
     <p:sldId id="264" r:id="rId2"/>
@@ -14,10 +14,11 @@
     <p:sldId id="258" r:id="rId5"/>
     <p:sldId id="267" r:id="rId6"/>
     <p:sldId id="262" r:id="rId7"/>
-    <p:sldId id="259" r:id="rId8"/>
-    <p:sldId id="263" r:id="rId9"/>
-    <p:sldId id="266" r:id="rId10"/>
-    <p:sldId id="268" r:id="rId11"/>
+    <p:sldId id="263" r:id="rId8"/>
+    <p:sldId id="269" r:id="rId9"/>
+    <p:sldId id="270" r:id="rId10"/>
+    <p:sldId id="266" r:id="rId11"/>
+    <p:sldId id="268" r:id="rId12"/>
   </p:sldIdLst>
   <p:sldSz cx="9144000" cy="6858000" type="screen4x3"/>
   <p:notesSz cx="6858000" cy="9144000"/>
@@ -4114,6 +4115,127 @@
         </p:nvSpPr>
         <p:spPr/>
         <p:txBody>
+          <a:bodyPr>
+            <a:normAutofit/>
+          </a:bodyPr>
+          <a:lstStyle/>
+          <a:p>
+            <a:r>
+              <a:rPr lang="it-IT" dirty="0" smtClean="0"/>
+              <a:t>After obtaining clusters, describe them?</a:t>
+            </a:r>
+          </a:p>
+          <a:p>
+            <a:pPr lvl="1"/>
+            <a:r>
+              <a:rPr lang="it-IT" dirty="0" smtClean="0"/>
+              <a:t>Find minimal set of rules that fully define cluster</a:t>
+            </a:r>
+          </a:p>
+          <a:p>
+            <a:pPr lvl="1"/>
+            <a:r>
+              <a:rPr lang="it-IT" dirty="0" smtClean="0"/>
+              <a:t>Example from clustering malware</a:t>
+            </a:r>
+          </a:p>
+          <a:p>
+            <a:pPr marL="457200" lvl="1" indent="0">
+              <a:buNone/>
+            </a:pPr>
+            <a:endParaRPr lang="fr-FR" dirty="0" smtClean="0"/>
+          </a:p>
+          <a:p>
+            <a:r>
+              <a:rPr lang="it-IT" dirty="0" smtClean="0"/>
+              <a:t>Large amounts of malware</a:t>
+            </a:r>
+          </a:p>
+          <a:p>
+            <a:pPr lvl="1"/>
+            <a:r>
+              <a:rPr lang="it-IT" dirty="0" smtClean="0"/>
+              <a:t>Can be clustered together in «families»</a:t>
+            </a:r>
+          </a:p>
+          <a:p>
+            <a:pPr lvl="1"/>
+            <a:r>
+              <a:rPr lang="it-IT" dirty="0" smtClean="0"/>
+              <a:t>Generate rules to identify them that cover most of the malware in the same cluster</a:t>
+            </a:r>
+          </a:p>
+          <a:p>
+            <a:pPr lvl="1"/>
+            <a:endParaRPr lang="it-IT" dirty="0"/>
+          </a:p>
+        </p:txBody>
+      </p:sp>
+    </p:spTree>
+    <p:extLst>
+      <p:ext uri="{BB962C8B-B14F-4D97-AF65-F5344CB8AC3E}">
+        <p14:creationId xmlns:p14="http://schemas.microsoft.com/office/powerpoint/2010/main" val="2862765722"/>
+      </p:ext>
+    </p:extLst>
+  </p:cSld>
+  <p:clrMapOvr>
+    <a:masterClrMapping/>
+  </p:clrMapOvr>
+</p:sld>
+</file>
+
+<file path=ppt/slides/slide11.xml><?xml version="1.0" encoding="utf-8"?>
+<p:sld xmlns:a="http://schemas.openxmlformats.org/drawingml/2006/main" xmlns:r="http://schemas.openxmlformats.org/officeDocument/2006/relationships" xmlns:p="http://schemas.openxmlformats.org/presentationml/2006/main">
+  <p:cSld>
+    <p:spTree>
+      <p:nvGrpSpPr>
+        <p:cNvPr id="1" name=""/>
+        <p:cNvGrpSpPr/>
+        <p:nvPr/>
+      </p:nvGrpSpPr>
+      <p:grpSpPr>
+        <a:xfrm>
+          <a:off x="0" y="0"/>
+          <a:ext cx="0" cy="0"/>
+          <a:chOff x="0" y="0"/>
+          <a:chExt cx="0" cy="0"/>
+        </a:xfrm>
+      </p:grpSpPr>
+      <p:sp>
+        <p:nvSpPr>
+          <p:cNvPr id="2" name="Titre 1"/>
+          <p:cNvSpPr>
+            <a:spLocks noGrp="1"/>
+          </p:cNvSpPr>
+          <p:nvPr>
+            <p:ph type="title"/>
+          </p:nvPr>
+        </p:nvSpPr>
+        <p:spPr/>
+        <p:txBody>
+          <a:bodyPr/>
+          <a:lstStyle/>
+          <a:p>
+            <a:r>
+              <a:rPr lang="it-IT" dirty="0" smtClean="0"/>
+              <a:t>Evolutionary Cluster Description</a:t>
+            </a:r>
+            <a:endParaRPr lang="fr-FR" dirty="0"/>
+          </a:p>
+        </p:txBody>
+      </p:sp>
+      <p:sp>
+        <p:nvSpPr>
+          <p:cNvPr id="3" name="Espace réservé du contenu 2"/>
+          <p:cNvSpPr>
+            <a:spLocks noGrp="1"/>
+          </p:cNvSpPr>
+          <p:nvPr>
+            <p:ph idx="1"/>
+          </p:nvPr>
+        </p:nvSpPr>
+        <p:spPr/>
+        <p:txBody>
           <a:bodyPr/>
           <a:lstStyle/>
           <a:p>
@@ -4567,7 +4689,39 @@
           <a:bodyPr/>
           <a:lstStyle/>
           <a:p>
-            <a:endParaRPr lang="fr-FR"/>
+            <a:r>
+              <a:rPr lang="it-IT" dirty="0" smtClean="0"/>
+              <a:t>Dimensionality reduction + clustering</a:t>
+            </a:r>
+          </a:p>
+          <a:p>
+            <a:pPr lvl="1"/>
+            <a:r>
+              <a:rPr lang="it-IT" dirty="0" smtClean="0"/>
+              <a:t>Stop at the first two plot</a:t>
+            </a:r>
+          </a:p>
+          <a:p>
+            <a:pPr lvl="1"/>
+            <a:r>
+              <a:rPr lang="it-IT" dirty="0" smtClean="0"/>
+              <a:t>We took a dataset with 4 features (dimensions)</a:t>
+            </a:r>
+          </a:p>
+          <a:p>
+            <a:pPr lvl="1"/>
+            <a:r>
+              <a:rPr lang="it-IT" dirty="0" smtClean="0"/>
+              <a:t>Visualized it in 2 dimensions</a:t>
+            </a:r>
+          </a:p>
+          <a:p>
+            <a:pPr lvl="1"/>
+            <a:r>
+              <a:rPr lang="it-IT" dirty="0" smtClean="0"/>
+              <a:t>What do you notice? (second plot)</a:t>
+            </a:r>
+            <a:endParaRPr lang="fr-FR" dirty="0"/>
           </a:p>
         </p:txBody>
       </p:sp>
@@ -4620,11 +4774,7 @@
           <a:p>
             <a:r>
               <a:rPr lang="it-IT" dirty="0" smtClean="0"/>
-              <a:t>Interactive Evolutionary Dimensionality </a:t>
-            </a:r>
-            <a:r>
-              <a:rPr lang="it-IT" dirty="0" smtClean="0"/>
-              <a:t>Reduction</a:t>
+              <a:t>Interactive Evolutionary Dimensionality Reduction</a:t>
             </a:r>
             <a:endParaRPr lang="fr-FR" dirty="0"/>
           </a:p>
@@ -4661,11 +4811,7 @@
             <a:pPr lvl="1"/>
             <a:r>
               <a:rPr lang="it-IT" dirty="0" smtClean="0"/>
-              <a:t>Feedback from the user (interactive</a:t>
-            </a:r>
-            <a:r>
-              <a:rPr lang="it-IT" dirty="0" smtClean="0"/>
-              <a:t>)</a:t>
+              <a:t>Feedback from the user (interactive)</a:t>
             </a:r>
           </a:p>
           <a:p>
@@ -4784,7 +4930,7 @@
           <a:p>
             <a:r>
               <a:rPr lang="it-IT" dirty="0" smtClean="0"/>
-              <a:t>Self-Encoder</a:t>
+              <a:t>Clustering</a:t>
             </a:r>
             <a:endParaRPr lang="fr-FR" dirty="0"/>
           </a:p>
@@ -4805,14 +4951,36 @@
           <a:bodyPr/>
           <a:lstStyle/>
           <a:p>
-            <a:endParaRPr lang="fr-FR"/>
+            <a:r>
+              <a:rPr lang="it-IT" dirty="0" smtClean="0"/>
+              <a:t>We suspect there is some regularity in data</a:t>
+            </a:r>
+          </a:p>
+          <a:p>
+            <a:r>
+              <a:rPr lang="it-IT" dirty="0"/>
+              <a:t>We do not have a ground truth</a:t>
+            </a:r>
+          </a:p>
+          <a:p>
+            <a:r>
+              <a:rPr lang="it-IT" dirty="0" smtClean="0"/>
+              <a:t>We ask an algorithm to aggregate «similar» samples in groups called «clusters»</a:t>
+            </a:r>
+          </a:p>
+          <a:p>
+            <a:r>
+              <a:rPr lang="it-IT" dirty="0" smtClean="0"/>
+              <a:t>Afterwards, we analyze clusters for sense</a:t>
+            </a:r>
+            <a:endParaRPr lang="fr-FR" dirty="0"/>
           </a:p>
         </p:txBody>
       </p:sp>
     </p:spTree>
     <p:extLst>
       <p:ext uri="{BB962C8B-B14F-4D97-AF65-F5344CB8AC3E}">
-        <p14:creationId xmlns:p14="http://schemas.microsoft.com/office/powerpoint/2010/main" val="2771607779"/>
+        <p14:creationId xmlns:p14="http://schemas.microsoft.com/office/powerpoint/2010/main" val="2838972834"/>
       </p:ext>
     </p:extLst>
   </p:cSld>
@@ -4877,14 +5045,221 @@
           <a:bodyPr/>
           <a:lstStyle/>
           <a:p>
-            <a:endParaRPr lang="fr-FR"/>
+            <a:r>
+              <a:rPr lang="it-IT" dirty="0" smtClean="0"/>
+              <a:t>Lots of (open) questions</a:t>
+            </a:r>
+          </a:p>
+          <a:p>
+            <a:pPr lvl="1"/>
+            <a:r>
+              <a:rPr lang="it-IT" dirty="0" smtClean="0"/>
+              <a:t>What is «similar»? Close in feature space?</a:t>
+            </a:r>
+          </a:p>
+          <a:p>
+            <a:pPr lvl="1"/>
+            <a:r>
+              <a:rPr lang="it-IT" dirty="0" smtClean="0"/>
+              <a:t>How many clusters do we expect?</a:t>
+            </a:r>
+          </a:p>
+          <a:p>
+            <a:pPr lvl="1"/>
+            <a:r>
+              <a:rPr lang="it-IT" dirty="0" smtClean="0"/>
+              <a:t>What is a «good cluster»?</a:t>
+            </a:r>
+          </a:p>
+          <a:p>
+            <a:pPr lvl="1"/>
+            <a:endParaRPr lang="fr-FR" dirty="0"/>
+          </a:p>
+        </p:txBody>
+      </p:sp>
+      <p:pic>
+        <p:nvPicPr>
+          <p:cNvPr id="4" name="Picture 4" descr="Risultati immagini per willy coyote walking on air"/>
+          <p:cNvPicPr>
+            <a:picLocks noChangeAspect="1" noChangeArrowheads="1"/>
+          </p:cNvPicPr>
+          <p:nvPr/>
+        </p:nvPicPr>
+        <p:blipFill>
+          <a:blip r:embed="rId2" cstate="print">
+            <a:extLst>
+              <a:ext uri="{28A0092B-C50C-407E-A947-70E740481C1C}">
+                <a14:useLocalDpi xmlns:a14="http://schemas.microsoft.com/office/drawing/2010/main" val="0"/>
+              </a:ext>
+            </a:extLst>
+          </a:blip>
+          <a:srcRect/>
+          <a:stretch>
+            <a:fillRect/>
+          </a:stretch>
+        </p:blipFill>
+        <p:spPr bwMode="auto">
+          <a:xfrm>
+            <a:off x="5334000" y="3321685"/>
+            <a:ext cx="3657600" cy="2987040"/>
+          </a:xfrm>
+          <a:prstGeom prst="rect">
+            <a:avLst/>
+          </a:prstGeom>
+          <a:noFill/>
+          <a:extLst>
+            <a:ext uri="{909E8E84-426E-40DD-AFC4-6F175D3DCCD1}">
+              <a14:hiddenFill xmlns:a14="http://schemas.microsoft.com/office/drawing/2010/main">
+                <a:solidFill>
+                  <a:srgbClr val="FFFFFF"/>
+                </a:solidFill>
+              </a14:hiddenFill>
+            </a:ext>
+          </a:extLst>
+        </p:spPr>
+      </p:pic>
+      <p:sp>
+        <p:nvSpPr>
+          <p:cNvPr id="5" name="Rectangle à coins arrondis 4"/>
+          <p:cNvSpPr/>
+          <p:nvPr/>
+        </p:nvSpPr>
+        <p:spPr>
+          <a:xfrm>
+            <a:off x="7772400" y="3429000"/>
+            <a:ext cx="1143000" cy="533400"/>
+          </a:xfrm>
+          <a:prstGeom prst="wedgeRoundRectCallout">
+            <a:avLst>
+              <a:gd name="adj1" fmla="val -61633"/>
+              <a:gd name="adj2" fmla="val 163643"/>
+              <a:gd name="adj3" fmla="val 16667"/>
+            </a:avLst>
+          </a:prstGeom>
+        </p:spPr>
+        <p:style>
+          <a:lnRef idx="2">
+            <a:schemeClr val="dk1"/>
+          </a:lnRef>
+          <a:fillRef idx="1">
+            <a:schemeClr val="lt1"/>
+          </a:fillRef>
+          <a:effectRef idx="0">
+            <a:schemeClr val="dk1"/>
+          </a:effectRef>
+          <a:fontRef idx="minor">
+            <a:schemeClr val="dk1"/>
+          </a:fontRef>
+        </p:style>
+        <p:txBody>
+          <a:bodyPr rtlCol="0" anchor="ctr"/>
+          <a:lstStyle/>
+          <a:p>
+            <a:pPr algn="ctr"/>
+            <a:r>
+              <a:rPr lang="it-IT" dirty="0" smtClean="0"/>
+              <a:t>YOU</a:t>
+            </a:r>
+            <a:endParaRPr lang="fr-FR" dirty="0"/>
+          </a:p>
+        </p:txBody>
+      </p:sp>
+      <p:sp>
+        <p:nvSpPr>
+          <p:cNvPr id="6" name="Rectangle à coins arrondis 5"/>
+          <p:cNvSpPr/>
+          <p:nvPr/>
+        </p:nvSpPr>
+        <p:spPr>
+          <a:xfrm>
+            <a:off x="3570732" y="3916680"/>
+            <a:ext cx="1534668" cy="533400"/>
+          </a:xfrm>
+          <a:prstGeom prst="wedgeRoundRectCallout">
+            <a:avLst>
+              <a:gd name="adj1" fmla="val 120363"/>
+              <a:gd name="adj2" fmla="val 120786"/>
+              <a:gd name="adj3" fmla="val 16667"/>
+            </a:avLst>
+          </a:prstGeom>
+        </p:spPr>
+        <p:style>
+          <a:lnRef idx="2">
+            <a:schemeClr val="dk1"/>
+          </a:lnRef>
+          <a:fillRef idx="1">
+            <a:schemeClr val="lt1"/>
+          </a:fillRef>
+          <a:effectRef idx="0">
+            <a:schemeClr val="dk1"/>
+          </a:effectRef>
+          <a:fontRef idx="minor">
+            <a:schemeClr val="dk1"/>
+          </a:fontRef>
+        </p:style>
+        <p:txBody>
+          <a:bodyPr rtlCol="0" anchor="ctr"/>
+          <a:lstStyle/>
+          <a:p>
+            <a:pPr algn="ctr"/>
+            <a:r>
+              <a:rPr lang="it-IT" dirty="0" smtClean="0"/>
+              <a:t>CLUSTERING</a:t>
+            </a:r>
+            <a:endParaRPr lang="fr-FR" dirty="0"/>
+          </a:p>
+        </p:txBody>
+      </p:sp>
+      <p:sp>
+        <p:nvSpPr>
+          <p:cNvPr id="7" name="Rectangle à coins arrondis 6"/>
+          <p:cNvSpPr/>
+          <p:nvPr/>
+        </p:nvSpPr>
+        <p:spPr>
+          <a:xfrm>
+            <a:off x="2971800" y="5663502"/>
+            <a:ext cx="2133600" cy="533400"/>
+          </a:xfrm>
+          <a:prstGeom prst="wedgeRoundRectCallout">
+            <a:avLst>
+              <a:gd name="adj1" fmla="val 199138"/>
+              <a:gd name="adj2" fmla="val -55786"/>
+              <a:gd name="adj3" fmla="val 16667"/>
+            </a:avLst>
+          </a:prstGeom>
+        </p:spPr>
+        <p:style>
+          <a:lnRef idx="2">
+            <a:schemeClr val="dk1"/>
+          </a:lnRef>
+          <a:fillRef idx="1">
+            <a:schemeClr val="lt1"/>
+          </a:fillRef>
+          <a:effectRef idx="0">
+            <a:schemeClr val="dk1"/>
+          </a:effectRef>
+          <a:fontRef idx="minor">
+            <a:schemeClr val="dk1"/>
+          </a:fontRef>
+        </p:style>
+        <p:txBody>
+          <a:bodyPr rtlCol="0" anchor="ctr"/>
+          <a:lstStyle/>
+          <a:p>
+            <a:pPr algn="ctr"/>
+            <a:r>
+              <a:rPr lang="it-IT" dirty="0" smtClean="0"/>
+              <a:t>GROUND TRUTH</a:t>
+            </a:r>
+            <a:endParaRPr lang="fr-FR" dirty="0"/>
           </a:p>
         </p:txBody>
       </p:sp>
     </p:spTree>
     <p:extLst>
       <p:ext uri="{BB962C8B-B14F-4D97-AF65-F5344CB8AC3E}">
-        <p14:creationId xmlns:p14="http://schemas.microsoft.com/office/powerpoint/2010/main" val="2838972834"/>
+        <p14:creationId xmlns:p14="http://schemas.microsoft.com/office/powerpoint/2010/main" val="4020157536"/>
       </p:ext>
     </p:extLst>
   </p:cSld>
@@ -4928,7 +5303,7 @@
           <a:p>
             <a:r>
               <a:rPr lang="it-IT" dirty="0" smtClean="0"/>
-              <a:t>Evolutionary Cluster Description</a:t>
+              <a:t>Example: Clustering</a:t>
             </a:r>
             <a:endParaRPr lang="fr-FR" dirty="0"/>
           </a:p>
@@ -4946,66 +5321,58 @@
         </p:nvSpPr>
         <p:spPr/>
         <p:txBody>
-          <a:bodyPr>
-            <a:normAutofit/>
-          </a:bodyPr>
+          <a:bodyPr/>
           <a:lstStyle/>
           <a:p>
             <a:r>
               <a:rPr lang="it-IT" dirty="0" smtClean="0"/>
-              <a:t>After obtaining clusters, describe them?</a:t>
-            </a:r>
-          </a:p>
-          <a:p>
-            <a:pPr lvl="1"/>
+              <a:t>Let’s resume the previous example</a:t>
+            </a:r>
+          </a:p>
+          <a:p>
             <a:r>
               <a:rPr lang="it-IT" dirty="0" smtClean="0"/>
-              <a:t>Find minimal set of rules that fully define cluster</a:t>
-            </a:r>
-          </a:p>
-          <a:p>
-            <a:pPr lvl="1"/>
+              <a:t>Check the clustering results</a:t>
+            </a:r>
+          </a:p>
+          <a:p>
             <a:r>
               <a:rPr lang="it-IT" dirty="0" smtClean="0"/>
-              <a:t>Example from clustering malware</a:t>
-            </a:r>
-          </a:p>
-          <a:p>
-            <a:pPr marL="457200" lvl="1" indent="0">
+              <a:t>Try other clustering algorithms</a:t>
+            </a:r>
+          </a:p>
+          <a:p>
+            <a:pPr marL="0" indent="0">
               <a:buNone/>
             </a:pPr>
-            <a:endParaRPr lang="fr-FR" dirty="0" smtClean="0"/>
-          </a:p>
-          <a:p>
-            <a:r>
-              <a:rPr lang="it-IT" dirty="0" smtClean="0"/>
-              <a:t>Large amounts of malware</a:t>
-            </a:r>
-          </a:p>
-          <a:p>
-            <a:pPr lvl="1"/>
-            <a:r>
-              <a:rPr lang="it-IT" dirty="0" smtClean="0"/>
-              <a:t>Can be clustered together in «families»</a:t>
-            </a:r>
-          </a:p>
-          <a:p>
-            <a:pPr lvl="1"/>
-            <a:r>
-              <a:rPr lang="it-IT" dirty="0" smtClean="0"/>
-              <a:t>Generate rules to identify them that cover most of the malware in the same cluster</a:t>
-            </a:r>
-          </a:p>
-          <a:p>
-            <a:pPr lvl="1"/>
-            <a:endParaRPr lang="it-IT" dirty="0"/>
+            <a:endParaRPr lang="fr-FR" dirty="0" smtClean="0">
+              <a:hlinkClick r:id="rId2"/>
+            </a:endParaRPr>
+          </a:p>
+          <a:p>
+            <a:pPr marL="0" indent="0" algn="ctr">
+              <a:buNone/>
+            </a:pPr>
+            <a:r>
+              <a:rPr lang="fr-FR" sz="2800" dirty="0" smtClean="0">
+                <a:hlinkClick r:id="rId2"/>
+              </a:rPr>
+              <a:t>https</a:t>
+            </a:r>
+            <a:r>
+              <a:rPr lang="fr-FR" sz="2800" dirty="0">
+                <a:hlinkClick r:id="rId2"/>
+              </a:rPr>
+              <a:t>://scikit-learn.org/stable/modules/clustering.html</a:t>
+            </a:r>
+            <a:endParaRPr lang="fr-FR" sz="2800" dirty="0"/>
           </a:p>
         </p:txBody>
       </p:sp>
     </p:spTree>
     <p:extLst>
       <p:ext uri="{BB962C8B-B14F-4D97-AF65-F5344CB8AC3E}">
-        <p14:creationId xmlns:p14="http://schemas.microsoft.com/office/powerpoint/2010/main" val="2862765722"/>
+        <p14:creationId xmlns:p14="http://schemas.microsoft.com/office/powerpoint/2010/main" val="159866380"/>
       </p:ext>
     </p:extLst>
   </p:cSld>
